--- a/manuels/umsetzung_transformation.pptx
+++ b/manuels/umsetzung_transformation.pptx
@@ -3493,7 +3493,7 @@
         </p:nvSpPr>
         <p:spPr>
           <a:xfrm>
-            <a:off x="1702555" y="3377866"/>
+            <a:off x="1710576" y="3377866"/>
             <a:ext cx="428625" cy="338554"/>
           </a:xfrm>
           <a:prstGeom prst="rect">
@@ -3557,6 +3557,9 @@
           <a:prstGeom prst="line">
             <a:avLst/>
           </a:prstGeom>
+          <a:ln>
+            <a:prstDash val="lgDash"/>
+          </a:ln>
         </p:spPr>
         <p:style>
           <a:lnRef idx="1">
@@ -3602,7 +3605,7 @@
                   <a:schemeClr val="accent1"/>
                 </a:solidFill>
               </a:rPr>
-              <a:t>Inhalt CSV-Datei</a:t>
+              <a:t>Ausschnitt aus einer CSV-Datei</a:t>
             </a:r>
             <a:endParaRPr lang="de-DE" sz="2800" dirty="0">
               <a:solidFill>
